--- a/lectures/05.singleton/singleton.pptx
+++ b/lectures/05.singleton/singleton.pptx
@@ -221,7 +221,7 @@
           <a:p>
             <a:fld id="{2F3DCB6D-0B48-4A3D-B663-06C3F903A9D3}" type="datetimeFigureOut">
               <a:rPr lang="ru-RU" smtClean="0"/>
-              <a:t>14.04.2016</a:t>
+              <a:t>01.03.2018</a:t>
             </a:fld>
             <a:endParaRPr lang="ru-RU"/>
           </a:p>
@@ -734,7 +734,7 @@
           <a:p>
             <a:fld id="{2590F9C9-AB92-4E86-B698-DEC9BF4350FF}" type="datetimeFigureOut">
               <a:rPr lang="ru-RU" smtClean="0"/>
-              <a:t>14.04.2016</a:t>
+              <a:t>01.03.2018</a:t>
             </a:fld>
             <a:endParaRPr lang="ru-RU"/>
           </a:p>
@@ -951,7 +951,7 @@
           <a:p>
             <a:fld id="{2590F9C9-AB92-4E86-B698-DEC9BF4350FF}" type="datetimeFigureOut">
               <a:rPr lang="ru-RU" smtClean="0"/>
-              <a:t>14.04.2016</a:t>
+              <a:t>01.03.2018</a:t>
             </a:fld>
             <a:endParaRPr lang="ru-RU"/>
           </a:p>
@@ -1223,7 +1223,7 @@
           <a:p>
             <a:fld id="{2590F9C9-AB92-4E86-B698-DEC9BF4350FF}" type="datetimeFigureOut">
               <a:rPr lang="ru-RU" smtClean="0"/>
-              <a:t>14.04.2016</a:t>
+              <a:t>01.03.2018</a:t>
             </a:fld>
             <a:endParaRPr lang="ru-RU"/>
           </a:p>
@@ -1398,7 +1398,7 @@
           <a:p>
             <a:fld id="{2590F9C9-AB92-4E86-B698-DEC9BF4350FF}" type="datetimeFigureOut">
               <a:rPr lang="ru-RU" smtClean="0"/>
-              <a:t>14.04.2016</a:t>
+              <a:t>01.03.2018</a:t>
             </a:fld>
             <a:endParaRPr lang="ru-RU"/>
           </a:p>
@@ -1752,7 +1752,7 @@
           <a:p>
             <a:fld id="{2590F9C9-AB92-4E86-B698-DEC9BF4350FF}" type="datetimeFigureOut">
               <a:rPr lang="ru-RU" smtClean="0"/>
-              <a:t>14.04.2016</a:t>
+              <a:t>01.03.2018</a:t>
             </a:fld>
             <a:endParaRPr lang="ru-RU"/>
           </a:p>
@@ -2037,7 +2037,7 @@
           <a:p>
             <a:fld id="{2590F9C9-AB92-4E86-B698-DEC9BF4350FF}" type="datetimeFigureOut">
               <a:rPr lang="ru-RU" smtClean="0"/>
-              <a:t>14.04.2016</a:t>
+              <a:t>01.03.2018</a:t>
             </a:fld>
             <a:endParaRPr lang="ru-RU"/>
           </a:p>
@@ -2459,7 +2459,7 @@
           <a:p>
             <a:fld id="{2590F9C9-AB92-4E86-B698-DEC9BF4350FF}" type="datetimeFigureOut">
               <a:rPr lang="ru-RU" smtClean="0"/>
-              <a:t>14.04.2016</a:t>
+              <a:t>01.03.2018</a:t>
             </a:fld>
             <a:endParaRPr lang="ru-RU"/>
           </a:p>
@@ -2572,7 +2572,7 @@
           <a:p>
             <a:fld id="{2590F9C9-AB92-4E86-B698-DEC9BF4350FF}" type="datetimeFigureOut">
               <a:rPr lang="ru-RU" smtClean="0"/>
-              <a:t>14.04.2016</a:t>
+              <a:t>01.03.2018</a:t>
             </a:fld>
             <a:endParaRPr lang="ru-RU"/>
           </a:p>
@@ -2662,7 +2662,7 @@
           <a:p>
             <a:fld id="{2590F9C9-AB92-4E86-B698-DEC9BF4350FF}" type="datetimeFigureOut">
               <a:rPr lang="ru-RU" smtClean="0"/>
-              <a:t>14.04.2016</a:t>
+              <a:t>01.03.2018</a:t>
             </a:fld>
             <a:endParaRPr lang="ru-RU"/>
           </a:p>
@@ -2940,7 +2940,7 @@
           <a:p>
             <a:fld id="{2590F9C9-AB92-4E86-B698-DEC9BF4350FF}" type="datetimeFigureOut">
               <a:rPr lang="ru-RU" smtClean="0"/>
-              <a:t>14.04.2016</a:t>
+              <a:t>01.03.2018</a:t>
             </a:fld>
             <a:endParaRPr lang="ru-RU"/>
           </a:p>
@@ -3302,7 +3302,7 @@
           <a:p>
             <a:fld id="{2590F9C9-AB92-4E86-B698-DEC9BF4350FF}" type="datetimeFigureOut">
               <a:rPr lang="ru-RU" smtClean="0"/>
-              <a:t>14.04.2016</a:t>
+              <a:t>01.03.2018</a:t>
             </a:fld>
             <a:endParaRPr lang="ru-RU"/>
           </a:p>
@@ -3727,7 +3727,7 @@
           <a:p>
             <a:fld id="{2590F9C9-AB92-4E86-B698-DEC9BF4350FF}" type="datetimeFigureOut">
               <a:rPr lang="ru-RU" smtClean="0"/>
-              <a:t>14.04.2016</a:t>
+              <a:t>01.03.2018</a:t>
             </a:fld>
             <a:endParaRPr lang="ru-RU"/>
           </a:p>
@@ -4187,6 +4187,13 @@
   <p:clrMapOvr>
     <a:masterClrMapping/>
   </p:clrMapOvr>
+  <p:timing>
+    <p:tnLst>
+      <p:par>
+        <p:cTn id="1" dur="indefinite" restart="never" nodeType="tmRoot"/>
+      </p:par>
+    </p:tnLst>
+  </p:timing>
 </p:sld>
 </file>
 
@@ -4285,6 +4292,13 @@
   <p:clrMapOvr>
     <a:masterClrMapping/>
   </p:clrMapOvr>
+  <p:timing>
+    <p:tnLst>
+      <p:par>
+        <p:cTn id="1" dur="indefinite" restart="never" nodeType="tmRoot"/>
+      </p:par>
+    </p:tnLst>
+  </p:timing>
 </p:sld>
 </file>
 
@@ -4399,6 +4413,13 @@
   <p:clrMapOvr>
     <a:masterClrMapping/>
   </p:clrMapOvr>
+  <p:timing>
+    <p:tnLst>
+      <p:par>
+        <p:cTn id="1" dur="indefinite" restart="never" nodeType="tmRoot"/>
+      </p:par>
+    </p:tnLst>
+  </p:timing>
 </p:sld>
 </file>
 
@@ -4507,6 +4528,13 @@
   <p:clrMapOvr>
     <a:masterClrMapping/>
   </p:clrMapOvr>
+  <p:timing>
+    <p:tnLst>
+      <p:par>
+        <p:cTn id="1" dur="indefinite" restart="never" nodeType="tmRoot"/>
+      </p:par>
+    </p:tnLst>
+  </p:timing>
 </p:sld>
 </file>
 
@@ -5927,6 +5955,13 @@
   <p:clrMapOvr>
     <a:masterClrMapping/>
   </p:clrMapOvr>
+  <p:timing>
+    <p:tnLst>
+      <p:par>
+        <p:cTn id="1" dur="indefinite" restart="never" nodeType="tmRoot"/>
+      </p:par>
+    </p:tnLst>
+  </p:timing>
 </p:sld>
 </file>
 
@@ -5956,7 +5991,7 @@
         <p:spPr>
           <a:xfrm>
             <a:off x="144016" y="1484784"/>
-            <a:ext cx="8748464" cy="5451813"/>
+            <a:ext cx="8748464" cy="5262979"/>
           </a:xfrm>
           <a:prstGeom prst="rect">
             <a:avLst/>
@@ -6296,15 +6331,37 @@
               <a:t>	</a:t>
             </a:r>
             <a:r>
+              <a:rPr lang="en-US" sz="1600" dirty="0" err="1">
+                <a:solidFill>
+                  <a:srgbClr val="000000"/>
+                </a:solidFill>
+                <a:latin typeface="Consolas" panose="020B0609020204030204" pitchFamily="49" charset="0"/>
+                <a:ea typeface="Calibri" panose="020F0502020204030204" pitchFamily="34" charset="0"/>
+                <a:cs typeface="Times New Roman" panose="02020603050405020304" pitchFamily="18" charset="0"/>
+              </a:rPr>
+              <a:t>ILogger</a:t>
+            </a:r>
+            <a:r>
               <a:rPr lang="en-US" sz="1600" dirty="0">
                 <a:solidFill>
+                  <a:srgbClr val="000000"/>
+                </a:solidFill>
+                <a:latin typeface="Consolas" panose="020B0609020204030204" pitchFamily="49" charset="0"/>
+                <a:ea typeface="Calibri" panose="020F0502020204030204" pitchFamily="34" charset="0"/>
+                <a:cs typeface="Times New Roman" panose="02020603050405020304" pitchFamily="18" charset="0"/>
+              </a:rPr>
+              <a:t>(</a:t>
+            </a:r>
+            <a:r>
+              <a:rPr lang="en-US" sz="1600" dirty="0" err="1">
+                <a:solidFill>
                   <a:srgbClr val="0000FF"/>
                 </a:solidFill>
                 <a:latin typeface="Consolas" panose="020B0609020204030204" pitchFamily="49" charset="0"/>
                 <a:ea typeface="Calibri" panose="020F0502020204030204" pitchFamily="34" charset="0"/>
                 <a:cs typeface="Times New Roman" panose="02020603050405020304" pitchFamily="18" charset="0"/>
               </a:rPr>
-              <a:t>virtual</a:t>
+              <a:t>const</a:t>
             </a:r>
             <a:r>
               <a:rPr lang="en-US" sz="1600" dirty="0">
@@ -6315,12 +6372,12 @@
                 <a:ea typeface="Calibri" panose="020F0502020204030204" pitchFamily="34" charset="0"/>
                 <a:cs typeface="Times New Roman" panose="02020603050405020304" pitchFamily="18" charset="0"/>
               </a:rPr>
-              <a:t> ~</a:t>
+              <a:t> </a:t>
             </a:r>
             <a:r>
               <a:rPr lang="en-US" sz="1600" dirty="0" err="1">
                 <a:solidFill>
-                  <a:srgbClr val="000000"/>
+                  <a:srgbClr val="2B91AF"/>
                 </a:solidFill>
                 <a:latin typeface="Consolas" panose="020B0609020204030204" pitchFamily="49" charset="0"/>
                 <a:ea typeface="Calibri" panose="020F0502020204030204" pitchFamily="34" charset="0"/>
@@ -6337,7 +6394,7 @@
                 <a:ea typeface="Calibri" panose="020F0502020204030204" pitchFamily="34" charset="0"/>
                 <a:cs typeface="Times New Roman" panose="02020603050405020304" pitchFamily="18" charset="0"/>
               </a:rPr>
-              <a:t>() = </a:t>
+              <a:t>&amp;) = </a:t>
             </a:r>
             <a:r>
               <a:rPr lang="en-US" sz="1600" dirty="0">
@@ -6348,7 +6405,7 @@
                 <a:ea typeface="Calibri" panose="020F0502020204030204" pitchFamily="34" charset="0"/>
                 <a:cs typeface="Times New Roman" panose="02020603050405020304" pitchFamily="18" charset="0"/>
               </a:rPr>
-              <a:t>default</a:t>
+              <a:t>delete</a:t>
             </a:r>
             <a:r>
               <a:rPr lang="en-US" sz="1600" dirty="0">
@@ -6383,13 +6440,35 @@
             <a:r>
               <a:rPr lang="en-US" sz="1600" dirty="0" err="1">
                 <a:solidFill>
-                  <a:srgbClr val="000000"/>
+                  <a:srgbClr val="2B91AF"/>
                 </a:solidFill>
                 <a:latin typeface="Consolas" panose="020B0609020204030204" pitchFamily="49" charset="0"/>
                 <a:ea typeface="Calibri" panose="020F0502020204030204" pitchFamily="34" charset="0"/>
                 <a:cs typeface="Times New Roman" panose="02020603050405020304" pitchFamily="18" charset="0"/>
               </a:rPr>
               <a:t>ILogger</a:t>
+            </a:r>
+            <a:r>
+              <a:rPr lang="en-US" sz="1600" dirty="0">
+                <a:solidFill>
+                  <a:srgbClr val="000000"/>
+                </a:solidFill>
+                <a:latin typeface="Consolas" panose="020B0609020204030204" pitchFamily="49" charset="0"/>
+                <a:ea typeface="Calibri" panose="020F0502020204030204" pitchFamily="34" charset="0"/>
+                <a:cs typeface="Times New Roman" panose="02020603050405020304" pitchFamily="18" charset="0"/>
+              </a:rPr>
+              <a:t>&amp; </a:t>
+            </a:r>
+            <a:r>
+              <a:rPr lang="en-US" sz="1600" dirty="0">
+                <a:solidFill>
+                  <a:srgbClr val="008080"/>
+                </a:solidFill>
+                <a:latin typeface="Consolas" panose="020B0609020204030204" pitchFamily="49" charset="0"/>
+                <a:ea typeface="Calibri" panose="020F0502020204030204" pitchFamily="34" charset="0"/>
+                <a:cs typeface="Times New Roman" panose="02020603050405020304" pitchFamily="18" charset="0"/>
+              </a:rPr>
+              <a:t>operator=</a:t>
             </a:r>
             <a:r>
               <a:rPr lang="en-US" sz="1600" dirty="0">
@@ -6479,24 +6558,13 @@
             <a:r>
               <a:rPr lang="en-US" sz="1600" dirty="0">
                 <a:solidFill>
-                  <a:srgbClr val="000000"/>
-                </a:solidFill>
-                <a:latin typeface="Consolas" panose="020B0609020204030204" pitchFamily="49" charset="0"/>
-                <a:ea typeface="Calibri" panose="020F0502020204030204" pitchFamily="34" charset="0"/>
-                <a:cs typeface="Times New Roman" panose="02020603050405020304" pitchFamily="18" charset="0"/>
-              </a:rPr>
-              <a:t>	</a:t>
-            </a:r>
-            <a:r>
-              <a:rPr lang="en-US" sz="1600" dirty="0" err="1">
-                <a:solidFill>
-                  <a:srgbClr val="2B91AF"/>
-                </a:solidFill>
-                <a:latin typeface="Consolas" panose="020B0609020204030204" pitchFamily="49" charset="0"/>
-                <a:ea typeface="Calibri" panose="020F0502020204030204" pitchFamily="34" charset="0"/>
-                <a:cs typeface="Times New Roman" panose="02020603050405020304" pitchFamily="18" charset="0"/>
-              </a:rPr>
-              <a:t>ILogger</a:t>
+                  <a:srgbClr val="0000FF"/>
+                </a:solidFill>
+                <a:latin typeface="Consolas" panose="020B0609020204030204" pitchFamily="49" charset="0"/>
+                <a:ea typeface="Calibri" panose="020F0502020204030204" pitchFamily="34" charset="0"/>
+                <a:cs typeface="Times New Roman" panose="02020603050405020304" pitchFamily="18" charset="0"/>
+              </a:rPr>
+              <a:t>protected</a:t>
             </a:r>
             <a:r>
               <a:rPr lang="en-US" sz="1600" dirty="0">
@@ -6507,95 +6575,7 @@
                 <a:ea typeface="Calibri" panose="020F0502020204030204" pitchFamily="34" charset="0"/>
                 <a:cs typeface="Times New Roman" panose="02020603050405020304" pitchFamily="18" charset="0"/>
               </a:rPr>
-              <a:t>&amp; </a:t>
-            </a:r>
-            <a:r>
-              <a:rPr lang="en-US" sz="1600" dirty="0">
-                <a:solidFill>
-                  <a:srgbClr val="008080"/>
-                </a:solidFill>
-                <a:latin typeface="Consolas" panose="020B0609020204030204" pitchFamily="49" charset="0"/>
-                <a:ea typeface="Calibri" panose="020F0502020204030204" pitchFamily="34" charset="0"/>
-                <a:cs typeface="Times New Roman" panose="02020603050405020304" pitchFamily="18" charset="0"/>
-              </a:rPr>
-              <a:t>operator=</a:t>
-            </a:r>
-            <a:r>
-              <a:rPr lang="en-US" sz="1600" dirty="0">
-                <a:solidFill>
-                  <a:srgbClr val="000000"/>
-                </a:solidFill>
-                <a:latin typeface="Consolas" panose="020B0609020204030204" pitchFamily="49" charset="0"/>
-                <a:ea typeface="Calibri" panose="020F0502020204030204" pitchFamily="34" charset="0"/>
-                <a:cs typeface="Times New Roman" panose="02020603050405020304" pitchFamily="18" charset="0"/>
-              </a:rPr>
-              <a:t>(</a:t>
-            </a:r>
-            <a:r>
-              <a:rPr lang="en-US" sz="1600" dirty="0" err="1">
-                <a:solidFill>
-                  <a:srgbClr val="0000FF"/>
-                </a:solidFill>
-                <a:latin typeface="Consolas" panose="020B0609020204030204" pitchFamily="49" charset="0"/>
-                <a:ea typeface="Calibri" panose="020F0502020204030204" pitchFamily="34" charset="0"/>
-                <a:cs typeface="Times New Roman" panose="02020603050405020304" pitchFamily="18" charset="0"/>
-              </a:rPr>
-              <a:t>const</a:t>
-            </a:r>
-            <a:r>
-              <a:rPr lang="en-US" sz="1600" dirty="0">
-                <a:solidFill>
-                  <a:srgbClr val="000000"/>
-                </a:solidFill>
-                <a:latin typeface="Consolas" panose="020B0609020204030204" pitchFamily="49" charset="0"/>
-                <a:ea typeface="Calibri" panose="020F0502020204030204" pitchFamily="34" charset="0"/>
-                <a:cs typeface="Times New Roman" panose="02020603050405020304" pitchFamily="18" charset="0"/>
-              </a:rPr>
-              <a:t> </a:t>
-            </a:r>
-            <a:r>
-              <a:rPr lang="en-US" sz="1600" dirty="0" err="1">
-                <a:solidFill>
-                  <a:srgbClr val="2B91AF"/>
-                </a:solidFill>
-                <a:latin typeface="Consolas" panose="020B0609020204030204" pitchFamily="49" charset="0"/>
-                <a:ea typeface="Calibri" panose="020F0502020204030204" pitchFamily="34" charset="0"/>
-                <a:cs typeface="Times New Roman" panose="02020603050405020304" pitchFamily="18" charset="0"/>
-              </a:rPr>
-              <a:t>ILogger</a:t>
-            </a:r>
-            <a:r>
-              <a:rPr lang="en-US" sz="1600" dirty="0">
-                <a:solidFill>
-                  <a:srgbClr val="000000"/>
-                </a:solidFill>
-                <a:latin typeface="Consolas" panose="020B0609020204030204" pitchFamily="49" charset="0"/>
-                <a:ea typeface="Calibri" panose="020F0502020204030204" pitchFamily="34" charset="0"/>
-                <a:cs typeface="Times New Roman" panose="02020603050405020304" pitchFamily="18" charset="0"/>
-              </a:rPr>
-              <a:t>&amp;) = </a:t>
-            </a:r>
-            <a:r>
-              <a:rPr lang="en-US" sz="1600" dirty="0">
-                <a:solidFill>
-                  <a:srgbClr val="0000FF"/>
-                </a:solidFill>
-                <a:latin typeface="Consolas" panose="020B0609020204030204" pitchFamily="49" charset="0"/>
-                <a:ea typeface="Calibri" panose="020F0502020204030204" pitchFamily="34" charset="0"/>
-                <a:cs typeface="Times New Roman" panose="02020603050405020304" pitchFamily="18" charset="0"/>
-              </a:rPr>
-              <a:t>delete</a:t>
-            </a:r>
-            <a:r>
-              <a:rPr lang="en-US" sz="1600" dirty="0">
-                <a:solidFill>
-                  <a:srgbClr val="000000"/>
-                </a:solidFill>
-                <a:latin typeface="Consolas" panose="020B0609020204030204" pitchFamily="49" charset="0"/>
-                <a:ea typeface="Calibri" panose="020F0502020204030204" pitchFamily="34" charset="0"/>
-                <a:cs typeface="Times New Roman" panose="02020603050405020304" pitchFamily="18" charset="0"/>
-              </a:rPr>
-              <a:t>;</a:t>
+              <a:t>:</a:t>
             </a:r>
             <a:endParaRPr lang="ru-RU" sz="1600" dirty="0">
               <a:latin typeface="Calibri" panose="020F0502020204030204" pitchFamily="34" charset="0"/>
@@ -6608,13 +6588,46 @@
             <a:r>
               <a:rPr lang="en-US" sz="1600" dirty="0">
                 <a:solidFill>
+                  <a:srgbClr val="000000"/>
+                </a:solidFill>
+                <a:latin typeface="Consolas" panose="020B0609020204030204" pitchFamily="49" charset="0"/>
+                <a:ea typeface="Calibri" panose="020F0502020204030204" pitchFamily="34" charset="0"/>
+                <a:cs typeface="Times New Roman" panose="02020603050405020304" pitchFamily="18" charset="0"/>
+              </a:rPr>
+              <a:t>	</a:t>
+            </a:r>
+            <a:r>
+              <a:rPr lang="en-US" sz="1600" dirty="0" err="1">
+                <a:solidFill>
+                  <a:srgbClr val="000000"/>
+                </a:solidFill>
+                <a:latin typeface="Consolas" panose="020B0609020204030204" pitchFamily="49" charset="0"/>
+                <a:ea typeface="Calibri" panose="020F0502020204030204" pitchFamily="34" charset="0"/>
+                <a:cs typeface="Times New Roman" panose="02020603050405020304" pitchFamily="18" charset="0"/>
+              </a:rPr>
+              <a:t>ILogger</a:t>
+            </a:r>
+            <a:r>
+              <a:rPr lang="en-US" sz="1600" dirty="0">
+                <a:solidFill>
+                  <a:srgbClr val="000000"/>
+                </a:solidFill>
+                <a:latin typeface="Consolas" panose="020B0609020204030204" pitchFamily="49" charset="0"/>
+                <a:ea typeface="Calibri" panose="020F0502020204030204" pitchFamily="34" charset="0"/>
+                <a:cs typeface="Times New Roman" panose="02020603050405020304" pitchFamily="18" charset="0"/>
+              </a:rPr>
+              <a:t>() = </a:t>
+            </a:r>
+            <a:r>
+              <a:rPr lang="en-US" sz="1600" dirty="0">
+                <a:solidFill>
                   <a:srgbClr val="0000FF"/>
                 </a:solidFill>
                 <a:latin typeface="Consolas" panose="020B0609020204030204" pitchFamily="49" charset="0"/>
                 <a:ea typeface="Calibri" panose="020F0502020204030204" pitchFamily="34" charset="0"/>
                 <a:cs typeface="Times New Roman" panose="02020603050405020304" pitchFamily="18" charset="0"/>
               </a:rPr>
-              <a:t>protected</a:t>
+              <a:t>default</a:t>
             </a:r>
             <a:r>
               <a:rPr lang="en-US" sz="1600" dirty="0">
@@ -6625,7 +6638,7 @@
                 <a:ea typeface="Calibri" panose="020F0502020204030204" pitchFamily="34" charset="0"/>
                 <a:cs typeface="Times New Roman" panose="02020603050405020304" pitchFamily="18" charset="0"/>
               </a:rPr>
-              <a:t>:</a:t>
+              <a:t>;</a:t>
             </a:r>
             <a:endParaRPr lang="ru-RU" sz="1600" dirty="0">
               <a:latin typeface="Calibri" panose="020F0502020204030204" pitchFamily="34" charset="0"/>
@@ -6644,7 +6657,7 @@
                 <a:ea typeface="Calibri" panose="020F0502020204030204" pitchFamily="34" charset="0"/>
                 <a:cs typeface="Times New Roman" panose="02020603050405020304" pitchFamily="18" charset="0"/>
               </a:rPr>
-              <a:t>	</a:t>
+              <a:t>	~</a:t>
             </a:r>
             <a:r>
               <a:rPr lang="en-US" sz="1600" dirty="0" err="1">
@@ -6699,7 +6712,7 @@
           <a:p>
             <a:pPr defTabSz="406400"/>
             <a:r>
-              <a:rPr lang="en-US" sz="1600" dirty="0">
+              <a:rPr lang="en-US" sz="1600" dirty="0" smtClean="0">
                 <a:solidFill>
                   <a:srgbClr val="000000"/>
                 </a:solidFill>
@@ -7150,6 +7163,13 @@
   <p:clrMapOvr>
     <a:masterClrMapping/>
   </p:clrMapOvr>
+  <p:timing>
+    <p:tnLst>
+      <p:par>
+        <p:cTn id="1" dur="indefinite" restart="never" nodeType="tmRoot"/>
+      </p:par>
+    </p:tnLst>
+  </p:timing>
 </p:sld>
 </file>
 
@@ -8931,6 +8951,13 @@
   <p:clrMapOvr>
     <a:masterClrMapping/>
   </p:clrMapOvr>
+  <p:timing>
+    <p:tnLst>
+      <p:par>
+        <p:cTn id="1" dur="indefinite" restart="never" nodeType="tmRoot"/>
+      </p:par>
+    </p:tnLst>
+  </p:timing>
 </p:sld>
 </file>
 
@@ -10563,6 +10590,13 @@
   <p:clrMapOvr>
     <a:masterClrMapping/>
   </p:clrMapOvr>
+  <p:timing>
+    <p:tnLst>
+      <p:par>
+        <p:cTn id="1" dur="indefinite" restart="never" nodeType="tmRoot"/>
+      </p:par>
+    </p:tnLst>
+  </p:timing>
 </p:sld>
 </file>
 
@@ -11604,6 +11638,13 @@
   <p:clrMapOvr>
     <a:masterClrMapping/>
   </p:clrMapOvr>
+  <p:timing>
+    <p:tnLst>
+      <p:par>
+        <p:cTn id="1" dur="indefinite" restart="never" nodeType="tmRoot"/>
+      </p:par>
+    </p:tnLst>
+  </p:timing>
 </p:sld>
 </file>
 
@@ -11692,6 +11733,13 @@
   <p:clrMapOvr>
     <a:masterClrMapping/>
   </p:clrMapOvr>
+  <p:timing>
+    <p:tnLst>
+      <p:par>
+        <p:cTn id="1" dur="indefinite" restart="never" nodeType="tmRoot"/>
+      </p:par>
+    </p:tnLst>
+  </p:timing>
 </p:sld>
 </file>
 
@@ -11786,6 +11834,13 @@
   <p:clrMapOvr>
     <a:masterClrMapping/>
   </p:clrMapOvr>
+  <p:timing>
+    <p:tnLst>
+      <p:par>
+        <p:cTn id="1" dur="indefinite" restart="never" nodeType="tmRoot"/>
+      </p:par>
+    </p:tnLst>
+  </p:timing>
 </p:sld>
 </file>
 
